--- a/template/POSTECH.pptx
+++ b/template/POSTECH.pptx
@@ -5,11 +5,8 @@
     <p:sldMasterId id="2147483672" r:id="rId1"/>
   </p:sldMasterIdLst>
   <p:notesMasterIdLst>
-    <p:notesMasterId r:id="rId3"/>
+    <p:notesMasterId r:id="rId2"/>
   </p:notesMasterIdLst>
-  <p:sldIdLst>
-    <p:sldId id="256" r:id="rId2"/>
-  </p:sldIdLst>
   <p:sldSz cx="9144000" cy="6858000" type="screen4x3"/>
   <p:notesSz cx="6858000" cy="9144000"/>
   <p:defaultTextStyle>
@@ -107,6 +104,14 @@
       </a:defRPr>
     </a:lvl9pPr>
   </p:defaultTextStyle>
+  <p:extLst>
+    <p:ext uri="{EFAFB233-063F-42B5-8137-9DF3F51BA10A}">
+      <p15:sldGuideLst xmlns:p15="http://schemas.microsoft.com/office/powerpoint/2012/main"/>
+    </p:ext>
+    <p:ext uri="{2D200454-40CA-4A62-9FC3-DE9A4176ACB9}">
+      <p15:notesGuideLst xmlns:p15="http://schemas.microsoft.com/office/powerpoint/2012/main"/>
+    </p:ext>
+  </p:extLst>
 </p:presentation>
 </file>
 
@@ -458,90 +463,6 @@
     </a:lvl9pPr>
   </p:notesStyle>
 </p:notesMaster>
-</file>
-
-<file path=ppt/notesSlides/notesSlide1.xml><?xml version="1.0" encoding="utf-8"?>
-<p:notes xmlns:a="http://schemas.openxmlformats.org/drawingml/2006/main" xmlns:r="http://schemas.openxmlformats.org/officeDocument/2006/relationships" xmlns:p="http://schemas.openxmlformats.org/presentationml/2006/main">
-  <p:cSld>
-    <p:spTree>
-      <p:nvGrpSpPr>
-        <p:cNvPr id="1" name=""/>
-        <p:cNvGrpSpPr/>
-        <p:nvPr/>
-      </p:nvGrpSpPr>
-      <p:grpSpPr>
-        <a:xfrm>
-          <a:off x="0" y="0"/>
-          <a:ext cx="0" cy="0"/>
-          <a:chOff x="0" y="0"/>
-          <a:chExt cx="0" cy="0"/>
-        </a:xfrm>
-      </p:grpSpPr>
-      <p:sp>
-        <p:nvSpPr>
-          <p:cNvPr id="2" name="슬라이드 이미지 개체 틀 1"/>
-          <p:cNvSpPr>
-            <a:spLocks noGrp="1" noRot="1" noChangeAspect="1"/>
-          </p:cNvSpPr>
-          <p:nvPr>
-            <p:ph type="sldImg"/>
-          </p:nvPr>
-        </p:nvSpPr>
-        <p:spPr/>
-      </p:sp>
-      <p:sp>
-        <p:nvSpPr>
-          <p:cNvPr id="3" name="슬라이드 노트 개체 틀 2"/>
-          <p:cNvSpPr>
-            <a:spLocks noGrp="1"/>
-          </p:cNvSpPr>
-          <p:nvPr>
-            <p:ph type="body" idx="1"/>
-          </p:nvPr>
-        </p:nvSpPr>
-        <p:spPr/>
-        <p:txBody>
-          <a:bodyPr/>
-          <a:lstStyle/>
-          <a:p>
-            <a:endParaRPr kumimoji="1" lang="ko-KR" altLang="en-US"/>
-          </a:p>
-        </p:txBody>
-      </p:sp>
-      <p:sp>
-        <p:nvSpPr>
-          <p:cNvPr id="4" name="슬라이드 번호 개체 틀 3"/>
-          <p:cNvSpPr>
-            <a:spLocks noGrp="1"/>
-          </p:cNvSpPr>
-          <p:nvPr>
-            <p:ph type="sldNum" sz="quarter" idx="10"/>
-          </p:nvPr>
-        </p:nvSpPr>
-        <p:spPr/>
-        <p:txBody>
-          <a:bodyPr/>
-          <a:lstStyle/>
-          <a:p>
-            <a:fld id="{558A7F90-B35C-954E-9C55-645A184C049B}" type="slidenum">
-              <a:rPr kumimoji="1" lang="ko-KR" altLang="en-US" smtClean="0"/>
-              <a:t>1</a:t>
-            </a:fld>
-            <a:endParaRPr kumimoji="1" lang="ko-KR" altLang="en-US"/>
-          </a:p>
-        </p:txBody>
-      </p:sp>
-    </p:spTree>
-    <p:extLst>
-      <p:ext uri="{BB962C8B-B14F-4D97-AF65-F5344CB8AC3E}">
-        <p14:creationId xmlns:p14="http://schemas.microsoft.com/office/powerpoint/2010/main" val="211975691"/>
-      </p:ext>
-    </p:extLst>
-  </p:cSld>
-  <p:clrMapOvr>
-    <a:masterClrMapping/>
-  </p:clrMapOvr>
-</p:notes>
 </file>
 
 <file path=ppt/slideLayouts/slideLayout1.xml><?xml version="1.0" encoding="utf-8"?>
@@ -802,36 +723,6 @@
 </p:sldLayout>
 </file>
 
-<file path=ppt/slideLayouts/slideLayout3.xml><?xml version="1.0" encoding="utf-8"?>
-<p:sldLayout xmlns:a="http://schemas.openxmlformats.org/drawingml/2006/main" xmlns:r="http://schemas.openxmlformats.org/officeDocument/2006/relationships" xmlns:p="http://schemas.openxmlformats.org/presentationml/2006/main" userDrawn="1">
-  <p:cSld name="123123">
-    <p:spTree>
-      <p:nvGrpSpPr>
-        <p:cNvPr id="1" name=""/>
-        <p:cNvGrpSpPr/>
-        <p:nvPr/>
-      </p:nvGrpSpPr>
-      <p:grpSpPr>
-        <a:xfrm>
-          <a:off x="0" y="0"/>
-          <a:ext cx="0" cy="0"/>
-          <a:chOff x="0" y="0"/>
-          <a:chExt cx="0" cy="0"/>
-        </a:xfrm>
-      </p:grpSpPr>
-    </p:spTree>
-    <p:extLst>
-      <p:ext uri="{BB962C8B-B14F-4D97-AF65-F5344CB8AC3E}">
-        <p14:creationId xmlns:p14="http://schemas.microsoft.com/office/powerpoint/2010/main" val="1378071012"/>
-      </p:ext>
-    </p:extLst>
-  </p:cSld>
-  <p:clrMapOvr>
-    <a:masterClrMapping/>
-  </p:clrMapOvr>
-</p:sldLayout>
-</file>
-
 <file path=ppt/slideMasters/slideMaster1.xml><?xml version="1.0" encoding="utf-8"?>
 <p:sldMaster xmlns:a="http://schemas.openxmlformats.org/drawingml/2006/main" xmlns:r="http://schemas.openxmlformats.org/officeDocument/2006/relationships" xmlns:p="http://schemas.openxmlformats.org/presentationml/2006/main" preserve="1">
   <p:cSld>
@@ -863,7 +754,7 @@
           <p:nvPr userDrawn="1"/>
         </p:nvPicPr>
         <p:blipFill>
-          <a:blip r:embed="rId5">
+          <a:blip r:embed="rId4">
             <a:extLst>
               <a:ext uri="{28A0092B-C50C-407E-A947-70E740481C1C}">
                 <a14:useLocalDpi xmlns:a14="http://schemas.microsoft.com/office/drawing/2010/main" val="0"/>
@@ -895,7 +786,6 @@
   <p:sldLayoutIdLst>
     <p:sldLayoutId id="2147483673" r:id="rId1"/>
     <p:sldLayoutId id="2147483674" r:id="rId2"/>
-    <p:sldLayoutId id="2147483676" r:id="rId3"/>
   </p:sldLayoutIdLst>
   <p:txStyles>
     <p:titleStyle>
@@ -1178,90 +1068,6 @@
     </p:otherStyle>
   </p:txStyles>
 </p:sldMaster>
-</file>
-
-<file path=ppt/slides/slide1.xml><?xml version="1.0" encoding="utf-8"?>
-<p:sld xmlns:a="http://schemas.openxmlformats.org/drawingml/2006/main" xmlns:r="http://schemas.openxmlformats.org/officeDocument/2006/relationships" xmlns:p="http://schemas.openxmlformats.org/presentationml/2006/main">
-  <p:cSld>
-    <p:spTree>
-      <p:nvGrpSpPr>
-        <p:cNvPr id="1" name=""/>
-        <p:cNvGrpSpPr/>
-        <p:nvPr/>
-      </p:nvGrpSpPr>
-      <p:grpSpPr>
-        <a:xfrm>
-          <a:off x="0" y="0"/>
-          <a:ext cx="0" cy="0"/>
-          <a:chOff x="0" y="0"/>
-          <a:chExt cx="0" cy="0"/>
-        </a:xfrm>
-      </p:grpSpPr>
-      <p:sp>
-        <p:nvSpPr>
-          <p:cNvPr id="2" name="제목 1"/>
-          <p:cNvSpPr>
-            <a:spLocks noGrp="1"/>
-          </p:cNvSpPr>
-          <p:nvPr>
-            <p:ph type="ctrTitle" idx="4294967295"/>
-          </p:nvPr>
-        </p:nvSpPr>
-        <p:spPr>
-          <a:xfrm>
-            <a:off x="685800" y="1122363"/>
-            <a:ext cx="7772400" cy="2387600"/>
-          </a:xfrm>
-          <a:prstGeom prst="rect">
-            <a:avLst/>
-          </a:prstGeom>
-        </p:spPr>
-        <p:txBody>
-          <a:bodyPr/>
-          <a:lstStyle/>
-          <a:p>
-            <a:endParaRPr kumimoji="1" lang="ko-KR" altLang="en-US"/>
-          </a:p>
-        </p:txBody>
-      </p:sp>
-      <p:sp>
-        <p:nvSpPr>
-          <p:cNvPr id="3" name="부제 2"/>
-          <p:cNvSpPr>
-            <a:spLocks noGrp="1"/>
-          </p:cNvSpPr>
-          <p:nvPr>
-            <p:ph type="subTitle" idx="4294967295"/>
-          </p:nvPr>
-        </p:nvSpPr>
-        <p:spPr>
-          <a:xfrm>
-            <a:off x="1143000" y="3602038"/>
-            <a:ext cx="6858000" cy="1655762"/>
-          </a:xfrm>
-          <a:prstGeom prst="rect">
-            <a:avLst/>
-          </a:prstGeom>
-        </p:spPr>
-        <p:txBody>
-          <a:bodyPr/>
-          <a:lstStyle/>
-          <a:p>
-            <a:endParaRPr kumimoji="1" lang="ko-KR" altLang="en-US"/>
-          </a:p>
-        </p:txBody>
-      </p:sp>
-    </p:spTree>
-    <p:extLst>
-      <p:ext uri="{BB962C8B-B14F-4D97-AF65-F5344CB8AC3E}">
-        <p14:creationId xmlns:p14="http://schemas.microsoft.com/office/powerpoint/2010/main" val="1859562690"/>
-      </p:ext>
-    </p:extLst>
-  </p:cSld>
-  <p:clrMapOvr>
-    <a:masterClrMapping/>
-  </p:clrMapOvr>
-</p:sld>
 </file>
 
 <file path=ppt/theme/theme1.xml><?xml version="1.0" encoding="utf-8"?>

--- a/template/POSTECH.pptx
+++ b/template/POSTECH.pptx
@@ -197,7 +197,7 @@
           <a:p>
             <a:fld id="{A52D89D7-6CE2-2947-B74D-A73D3A34DE0D}" type="datetimeFigureOut">
               <a:rPr kumimoji="1" lang="ko-KR" altLang="en-US" smtClean="0"/>
-              <a:t>2018. 5. 26.</a:t>
+              <a:t>2018. 5. 27.</a:t>
             </a:fld>
             <a:endParaRPr kumimoji="1" lang="ko-KR" altLang="en-US"/>
           </a:p>
@@ -723,6 +723,71 @@
 </p:sldLayout>
 </file>
 
+<file path=ppt/slideLayouts/slideLayout3.xml><?xml version="1.0" encoding="utf-8"?>
+<p:sldLayout xmlns:a="http://schemas.openxmlformats.org/drawingml/2006/main" xmlns:r="http://schemas.openxmlformats.org/officeDocument/2006/relationships" xmlns:p="http://schemas.openxmlformats.org/presentationml/2006/main" preserve="1" userDrawn="1">
+  <p:cSld name="2_사용자 지정 레이아웃">
+    <p:spTree>
+      <p:nvGrpSpPr>
+        <p:cNvPr id="1" name=""/>
+        <p:cNvGrpSpPr/>
+        <p:nvPr/>
+      </p:nvGrpSpPr>
+      <p:grpSpPr>
+        <a:xfrm>
+          <a:off x="0" y="0"/>
+          <a:ext cx="0" cy="0"/>
+          <a:chOff x="0" y="0"/>
+          <a:chExt cx="0" cy="0"/>
+        </a:xfrm>
+      </p:grpSpPr>
+      <p:sp>
+        <p:nvSpPr>
+          <p:cNvPr id="2" name="제목 1"/>
+          <p:cNvSpPr>
+            <a:spLocks noGrp="1"/>
+          </p:cNvSpPr>
+          <p:nvPr>
+            <p:ph type="title"/>
+          </p:nvPr>
+        </p:nvSpPr>
+        <p:spPr>
+          <a:xfrm>
+            <a:off x="707028" y="2786108"/>
+            <a:ext cx="7886700" cy="1325563"/>
+          </a:xfrm>
+          <a:prstGeom prst="rect">
+            <a:avLst/>
+          </a:prstGeom>
+        </p:spPr>
+        <p:txBody>
+          <a:bodyPr/>
+          <a:lstStyle>
+            <a:lvl1pPr algn="ctr">
+              <a:defRPr/>
+            </a:lvl1pPr>
+          </a:lstStyle>
+          <a:p>
+            <a:r>
+              <a:rPr lang="ko-KR" altLang="en-US" dirty="0" smtClean="0"/>
+              <a:t>마스터 제목 스타일 편집</a:t>
+            </a:r>
+            <a:endParaRPr lang="ko-KR" altLang="en-US" dirty="0"/>
+          </a:p>
+        </p:txBody>
+      </p:sp>
+    </p:spTree>
+    <p:extLst>
+      <p:ext uri="{BB962C8B-B14F-4D97-AF65-F5344CB8AC3E}">
+        <p14:creationId xmlns:p14="http://schemas.microsoft.com/office/powerpoint/2010/main" val="1020266268"/>
+      </p:ext>
+    </p:extLst>
+  </p:cSld>
+  <p:clrMapOvr>
+    <a:masterClrMapping/>
+  </p:clrMapOvr>
+</p:sldLayout>
+</file>
+
 <file path=ppt/slideMasters/slideMaster1.xml><?xml version="1.0" encoding="utf-8"?>
 <p:sldMaster xmlns:a="http://schemas.openxmlformats.org/drawingml/2006/main" xmlns:r="http://schemas.openxmlformats.org/officeDocument/2006/relationships" xmlns:p="http://schemas.openxmlformats.org/presentationml/2006/main" preserve="1">
   <p:cSld>
@@ -754,7 +819,7 @@
           <p:nvPr userDrawn="1"/>
         </p:nvPicPr>
         <p:blipFill>
-          <a:blip r:embed="rId4">
+          <a:blip r:embed="rId5">
             <a:extLst>
               <a:ext uri="{28A0092B-C50C-407E-A947-70E740481C1C}">
                 <a14:useLocalDpi xmlns:a14="http://schemas.microsoft.com/office/drawing/2010/main" val="0"/>
@@ -786,6 +851,7 @@
   <p:sldLayoutIdLst>
     <p:sldLayoutId id="2147483673" r:id="rId1"/>
     <p:sldLayoutId id="2147483674" r:id="rId2"/>
+    <p:sldLayoutId id="2147483675" r:id="rId3"/>
   </p:sldLayoutIdLst>
   <p:txStyles>
     <p:titleStyle>
